--- a/Uber_Weather_PP_Final.pptx
+++ b/Uber_Weather_PP_Final.pptx
@@ -292,7 +292,7 @@
           <a:p>
             <a:fld id="{48A87A34-81AB-432B-8DAE-1953F412C126}" type="datetimeFigureOut">
               <a:rPr lang="en-US" dirty="0"/>
-              <a:t>5/11/22</a:t>
+              <a:t>5/13/22</a:t>
             </a:fld>
             <a:endParaRPr lang="en-US" dirty="0"/>
           </a:p>
@@ -554,7 +554,7 @@
           <a:p>
             <a:fld id="{48A87A34-81AB-432B-8DAE-1953F412C126}" type="datetimeFigureOut">
               <a:rPr lang="en-US" dirty="0"/>
-              <a:t>5/11/22</a:t>
+              <a:t>5/13/22</a:t>
             </a:fld>
             <a:endParaRPr lang="en-US" dirty="0"/>
           </a:p>
@@ -781,7 +781,7 @@
             <a:fld id="{48A87A34-81AB-432B-8DAE-1953F412C126}" type="datetimeFigureOut">
               <a:rPr lang="en-US" dirty="0"/>
               <a:pPr/>
-              <a:t>5/11/22</a:t>
+              <a:t>5/13/22</a:t>
             </a:fld>
             <a:endParaRPr lang="en-US" dirty="0"/>
           </a:p>
@@ -1087,7 +1087,7 @@
             <a:fld id="{48A87A34-81AB-432B-8DAE-1953F412C126}" type="datetimeFigureOut">
               <a:rPr lang="en-US" dirty="0"/>
               <a:pPr/>
-              <a:t>5/11/22</a:t>
+              <a:t>5/13/22</a:t>
             </a:fld>
             <a:endParaRPr lang="en-US" dirty="0"/>
           </a:p>
@@ -1556,7 +1556,7 @@
             <a:fld id="{48A87A34-81AB-432B-8DAE-1953F412C126}" type="datetimeFigureOut">
               <a:rPr lang="en-US" dirty="0"/>
               <a:pPr/>
-              <a:t>5/11/22</a:t>
+              <a:t>5/13/22</a:t>
             </a:fld>
             <a:endParaRPr lang="en-US" dirty="0"/>
           </a:p>
@@ -2098,7 +2098,7 @@
           <a:p>
             <a:fld id="{48A87A34-81AB-432B-8DAE-1953F412C126}" type="datetimeFigureOut">
               <a:rPr lang="en-US" dirty="0"/>
-              <a:t>5/11/22</a:t>
+              <a:t>5/13/22</a:t>
             </a:fld>
             <a:endParaRPr lang="en-US" dirty="0"/>
           </a:p>
@@ -2867,7 +2867,7 @@
           <a:p>
             <a:fld id="{48A87A34-81AB-432B-8DAE-1953F412C126}" type="datetimeFigureOut">
               <a:rPr lang="en-US" dirty="0"/>
-              <a:t>5/11/22</a:t>
+              <a:t>5/13/22</a:t>
             </a:fld>
             <a:endParaRPr lang="en-US" dirty="0"/>
           </a:p>
@@ -3037,7 +3037,7 @@
           <a:p>
             <a:fld id="{48A87A34-81AB-432B-8DAE-1953F412C126}" type="datetimeFigureOut">
               <a:rPr lang="en-US" dirty="0"/>
-              <a:t>5/11/22</a:t>
+              <a:t>5/13/22</a:t>
             </a:fld>
             <a:endParaRPr lang="en-US" dirty="0"/>
           </a:p>
@@ -3256,7 +3256,7 @@
             <a:fld id="{48A87A34-81AB-432B-8DAE-1953F412C126}" type="datetimeFigureOut">
               <a:rPr lang="en-US" dirty="0"/>
               <a:pPr/>
-              <a:t>5/11/22</a:t>
+              <a:t>5/13/22</a:t>
             </a:fld>
             <a:endParaRPr lang="en-US" dirty="0"/>
           </a:p>
@@ -3431,7 +3431,7 @@
           <a:p>
             <a:fld id="{48A87A34-81AB-432B-8DAE-1953F412C126}" type="datetimeFigureOut">
               <a:rPr lang="en-US" dirty="0"/>
-              <a:t>5/11/22</a:t>
+              <a:t>5/13/22</a:t>
             </a:fld>
             <a:endParaRPr lang="en-US" dirty="0"/>
           </a:p>
@@ -3716,7 +3716,7 @@
             <a:fld id="{48A87A34-81AB-432B-8DAE-1953F412C126}" type="datetimeFigureOut">
               <a:rPr lang="en-US" dirty="0"/>
               <a:pPr/>
-              <a:t>5/11/22</a:t>
+              <a:t>5/13/22</a:t>
             </a:fld>
             <a:endParaRPr lang="en-US" dirty="0"/>
           </a:p>
@@ -3953,7 +3953,7 @@
           <a:p>
             <a:fld id="{48A87A34-81AB-432B-8DAE-1953F412C126}" type="datetimeFigureOut">
               <a:rPr lang="en-US" dirty="0"/>
-              <a:t>5/11/22</a:t>
+              <a:t>5/13/22</a:t>
             </a:fld>
             <a:endParaRPr lang="en-US" dirty="0"/>
           </a:p>
@@ -4327,7 +4327,7 @@
           <a:p>
             <a:fld id="{48A87A34-81AB-432B-8DAE-1953F412C126}" type="datetimeFigureOut">
               <a:rPr lang="en-US" dirty="0"/>
-              <a:t>5/11/22</a:t>
+              <a:t>5/13/22</a:t>
             </a:fld>
             <a:endParaRPr lang="en-US" dirty="0"/>
           </a:p>
@@ -4440,7 +4440,7 @@
           <a:p>
             <a:fld id="{48A87A34-81AB-432B-8DAE-1953F412C126}" type="datetimeFigureOut">
               <a:rPr lang="en-US" dirty="0"/>
-              <a:t>5/11/22</a:t>
+              <a:t>5/13/22</a:t>
             </a:fld>
             <a:endParaRPr lang="en-US" dirty="0"/>
           </a:p>
@@ -4530,7 +4530,7 @@
           <a:p>
             <a:fld id="{48A87A34-81AB-432B-8DAE-1953F412C126}" type="datetimeFigureOut">
               <a:rPr lang="en-US" dirty="0"/>
-              <a:t>5/11/22</a:t>
+              <a:t>5/13/22</a:t>
             </a:fld>
             <a:endParaRPr lang="en-US" dirty="0"/>
           </a:p>
@@ -4774,7 +4774,7 @@
           <a:p>
             <a:fld id="{48A87A34-81AB-432B-8DAE-1953F412C126}" type="datetimeFigureOut">
               <a:rPr lang="en-US" dirty="0"/>
-              <a:t>5/11/22</a:t>
+              <a:t>5/13/22</a:t>
             </a:fld>
             <a:endParaRPr lang="en-US" dirty="0"/>
           </a:p>
@@ -5026,7 +5026,7 @@
           <a:p>
             <a:fld id="{48A87A34-81AB-432B-8DAE-1953F412C126}" type="datetimeFigureOut">
               <a:rPr lang="en-US" dirty="0"/>
-              <a:t>5/11/22</a:t>
+              <a:t>5/13/22</a:t>
             </a:fld>
             <a:endParaRPr lang="en-US" dirty="0"/>
           </a:p>
@@ -5265,7 +5265,7 @@
             <a:fld id="{48A87A34-81AB-432B-8DAE-1953F412C126}" type="datetimeFigureOut">
               <a:rPr lang="en-US" dirty="0"/>
               <a:pPr/>
-              <a:t>5/11/22</a:t>
+              <a:t>5/13/22</a:t>
             </a:fld>
             <a:endParaRPr lang="en-US" dirty="0"/>
           </a:p>
@@ -6631,7 +6631,7 @@
       </p:pic>
       <p:pic>
         <p:nvPicPr>
-          <p:cNvPr id="9" name="Content Placeholder 8" descr="A picture containing chart&#10;&#10;Description automatically generated">
+          <p:cNvPr id="9" name="Content Placeholder 8">
             <a:extLst>
               <a:ext uri="{FF2B5EF4-FFF2-40B4-BE49-F238E27FC236}">
                 <a16:creationId xmlns:a16="http://schemas.microsoft.com/office/drawing/2014/main" id="{ADE241D5-35DA-9BAB-936E-6FEA2FAB4B4D}"/>
@@ -6645,14 +6645,13 @@
         </p:nvPicPr>
         <p:blipFill>
           <a:blip r:embed="rId3"/>
-          <a:stretch>
-            <a:fillRect/>
-          </a:stretch>
+          <a:srcRect/>
+          <a:stretch/>
         </p:blipFill>
         <p:spPr>
           <a:xfrm>
-            <a:off x="-636160" y="3529431"/>
-            <a:ext cx="10010747" cy="3328570"/>
+            <a:off x="-623642" y="3529431"/>
+            <a:ext cx="9985710" cy="3328570"/>
           </a:xfrm>
           <a:prstGeom prst="rect">
             <a:avLst/>
